--- a/presentation2.pptx
+++ b/presentation2.pptx
@@ -5,11 +5,13 @@
     <p:sldMasterId id="2147483913" r:id="rId1"/>
   </p:sldMasterIdLst>
   <p:notesMasterIdLst>
-    <p:notesMasterId r:id="rId4"/>
+    <p:notesMasterId r:id="rId6"/>
   </p:notesMasterIdLst>
   <p:sldIdLst>
     <p:sldId id="256" r:id="rId2"/>
     <p:sldId id="257" r:id="rId3"/>
+    <p:sldId id="258" r:id="rId4"/>
+    <p:sldId id="259" r:id="rId5"/>
   </p:sldIdLst>
   <p:sldSz cx="10080625" cy="5670550"/>
   <p:notesSz cx="7772400" cy="10058400"/>
@@ -128,6 +130,14 @@
 </p:cmAuthorLst>
 </file>
 
+<file path=ppt/revisionInfo.xml><?xml version="1.0" encoding="utf-8"?>
+<p1510:revInfo xmlns:a="http://schemas.openxmlformats.org/drawingml/2006/main" xmlns:r="http://schemas.openxmlformats.org/officeDocument/2006/relationships" xmlns:p1510="http://schemas.microsoft.com/office/powerpoint/2015/10/main">
+  <p1510:revLst>
+    <p1510:client id="{C1A941E3-D81C-A3AB-EF4A-97DFFC74C7DD}" v="1229" dt="2021-05-11T19:24:13.214"/>
+  </p1510:revLst>
+</p1510:revInfo>
+</file>
+
 <file path=ppt/notesMasters/notesMaster1.xml><?xml version="1.0" encoding="utf-8"?>
 <p:notesMaster xmlns:a="http://schemas.openxmlformats.org/drawingml/2006/main" xmlns:r="http://schemas.openxmlformats.org/officeDocument/2006/relationships" xmlns:p="http://schemas.openxmlformats.org/presentationml/2006/main">
   <p:cSld>
@@ -354,7 +364,7 @@
               <a:rPr lang="it-IT" sz="1400" b="0" strike="noStrike" spc="-1">
                 <a:latin typeface="Times New Roman"/>
               </a:rPr>
-              <a:t>‹N›</a:t>
+              <a:t>‹#›</a:t>
             </a:fld>
             <a:endParaRPr lang="it-IT" sz="1400" b="0" strike="noStrike" spc="-1">
               <a:latin typeface="Times New Roman"/>
@@ -665,7 +675,7 @@
           <a:p>
             <a:fld id="{AD628A97-7813-4A98-AFEF-C23AEC2A31B3}" type="slidenum">
               <a:rPr lang="it-IT" smtClean="0"/>
-              <a:t>‹N›</a:t>
+              <a:t>‹#›</a:t>
             </a:fld>
             <a:endParaRPr lang="it-IT"/>
           </a:p>
@@ -835,7 +845,7 @@
           <a:p>
             <a:fld id="{AD628A97-7813-4A98-AFEF-C23AEC2A31B3}" type="slidenum">
               <a:rPr lang="it-IT" smtClean="0"/>
-              <a:t>‹N›</a:t>
+              <a:t>‹#›</a:t>
             </a:fld>
             <a:endParaRPr lang="it-IT"/>
           </a:p>
@@ -1015,7 +1025,7 @@
           <a:p>
             <a:fld id="{AD628A97-7813-4A98-AFEF-C23AEC2A31B3}" type="slidenum">
               <a:rPr lang="it-IT" smtClean="0"/>
-              <a:t>‹N›</a:t>
+              <a:t>‹#›</a:t>
             </a:fld>
             <a:endParaRPr lang="it-IT"/>
           </a:p>
@@ -1185,7 +1195,7 @@
           <a:p>
             <a:fld id="{AD628A97-7813-4A98-AFEF-C23AEC2A31B3}" type="slidenum">
               <a:rPr lang="it-IT" smtClean="0"/>
-              <a:t>‹N›</a:t>
+              <a:t>‹#›</a:t>
             </a:fld>
             <a:endParaRPr lang="it-IT"/>
           </a:p>
@@ -1453,7 +1463,7 @@
           <a:p>
             <a:fld id="{AD628A97-7813-4A98-AFEF-C23AEC2A31B3}" type="slidenum">
               <a:rPr lang="it-IT" smtClean="0"/>
-              <a:t>‹N›</a:t>
+              <a:t>‹#›</a:t>
             </a:fld>
             <a:endParaRPr lang="it-IT"/>
           </a:p>
@@ -1685,7 +1695,7 @@
           <a:p>
             <a:fld id="{AD628A97-7813-4A98-AFEF-C23AEC2A31B3}" type="slidenum">
               <a:rPr lang="it-IT" smtClean="0"/>
-              <a:t>‹N›</a:t>
+              <a:t>‹#›</a:t>
             </a:fld>
             <a:endParaRPr lang="it-IT"/>
           </a:p>
@@ -2044,7 +2054,7 @@
           <a:p>
             <a:fld id="{AD628A97-7813-4A98-AFEF-C23AEC2A31B3}" type="slidenum">
               <a:rPr lang="it-IT" smtClean="0"/>
-              <a:t>‹N›</a:t>
+              <a:t>‹#›</a:t>
             </a:fld>
             <a:endParaRPr lang="it-IT"/>
           </a:p>
@@ -2185,7 +2195,7 @@
           <a:p>
             <a:fld id="{AD628A97-7813-4A98-AFEF-C23AEC2A31B3}" type="slidenum">
               <a:rPr lang="it-IT" smtClean="0"/>
-              <a:t>‹N›</a:t>
+              <a:t>‹#›</a:t>
             </a:fld>
             <a:endParaRPr lang="it-IT"/>
           </a:p>
@@ -2280,7 +2290,7 @@
           <a:p>
             <a:fld id="{AD628A97-7813-4A98-AFEF-C23AEC2A31B3}" type="slidenum">
               <a:rPr lang="it-IT" smtClean="0"/>
-              <a:t>‹N›</a:t>
+              <a:t>‹#›</a:t>
             </a:fld>
             <a:endParaRPr lang="it-IT"/>
           </a:p>
@@ -2652,7 +2662,7 @@
           <a:p>
             <a:fld id="{AD628A97-7813-4A98-AFEF-C23AEC2A31B3}" type="slidenum">
               <a:rPr lang="it-IT" smtClean="0"/>
-              <a:t>‹N›</a:t>
+              <a:t>‹#›</a:t>
             </a:fld>
             <a:endParaRPr lang="it-IT"/>
           </a:p>
@@ -3009,7 +3019,7 @@
           <a:p>
             <a:fld id="{AD628A97-7813-4A98-AFEF-C23AEC2A31B3}" type="slidenum">
               <a:rPr lang="it-IT" smtClean="0"/>
-              <a:t>‹N›</a:t>
+              <a:t>‹#›</a:t>
             </a:fld>
             <a:endParaRPr lang="it-IT"/>
           </a:p>
@@ -3277,7 +3287,7 @@
           <a:p>
             <a:fld id="{AD628A97-7813-4A98-AFEF-C23AEC2A31B3}" type="slidenum">
               <a:rPr lang="it-IT" smtClean="0"/>
-              <a:t>‹N›</a:t>
+              <a:t>‹#›</a:t>
             </a:fld>
             <a:endParaRPr lang="it-IT"/>
           </a:p>
@@ -5049,6 +5059,1295 @@
       <p:bldP spid="128" grpId="0" uiExpand="1" build="p"/>
     </p:bldLst>
   </p:timing>
+</p:sld>
+</file>
+
+<file path=ppt/slides/slide3.xml><?xml version="1.0" encoding="utf-8"?>
+<p:sld xmlns:a="http://schemas.openxmlformats.org/drawingml/2006/main" xmlns:r="http://schemas.openxmlformats.org/officeDocument/2006/relationships" xmlns:p="http://schemas.openxmlformats.org/presentationml/2006/main">
+  <p:cSld>
+    <p:spTree>
+      <p:nvGrpSpPr>
+        <p:cNvPr id="1" name=""/>
+        <p:cNvGrpSpPr/>
+        <p:nvPr/>
+      </p:nvGrpSpPr>
+      <p:grpSpPr>
+        <a:xfrm>
+          <a:off x="0" y="0"/>
+          <a:ext cx="0" cy="0"/>
+          <a:chOff x="0" y="0"/>
+          <a:chExt cx="0" cy="0"/>
+        </a:xfrm>
+      </p:grpSpPr>
+      <p:sp>
+        <p:nvSpPr>
+          <p:cNvPr id="3" name="CasellaDiTesto 1">
+            <a:extLst>
+              <a:ext uri="{FF2B5EF4-FFF2-40B4-BE49-F238E27FC236}">
+                <a16:creationId xmlns:a16="http://schemas.microsoft.com/office/drawing/2014/main" id="{CCC59727-64DE-4F48-8792-6323EFA57A2B}"/>
+              </a:ext>
+            </a:extLst>
+          </p:cNvPr>
+          <p:cNvSpPr txBox="1"/>
+          <p:nvPr/>
+        </p:nvSpPr>
+        <p:spPr>
+          <a:xfrm>
+            <a:off x="518400" y="211015"/>
+            <a:ext cx="8883508" cy="707886"/>
+          </a:xfrm>
+          <a:prstGeom prst="rect">
+            <a:avLst/>
+          </a:prstGeom>
+          <a:noFill/>
+        </p:spPr>
+        <p:txBody>
+          <a:bodyPr wrap="square" lIns="91440" tIns="45720" rIns="91440" bIns="45720" rtlCol="0" anchor="t">
+            <a:spAutoFit/>
+          </a:bodyPr>
+          <a:lstStyle/>
+          <a:p>
+            <a:pPr algn="ctr"/>
+            <a:r>
+              <a:rPr lang="it-IT" sz="4000" spc="-1" dirty="0" err="1">
+                <a:latin typeface="Arial"/>
+                <a:cs typeface="Arial"/>
+              </a:rPr>
+              <a:t>Detect</a:t>
+            </a:r>
+            <a:r>
+              <a:rPr lang="it-IT" sz="4000" spc="-1" dirty="0">
+                <a:latin typeface="Arial"/>
+                <a:cs typeface="Arial"/>
+              </a:rPr>
+              <a:t> </a:t>
+            </a:r>
+            <a:r>
+              <a:rPr lang="it-IT" sz="4000" spc="-1" dirty="0" err="1">
+                <a:latin typeface="Arial"/>
+                <a:cs typeface="Arial"/>
+              </a:rPr>
+              <a:t>maliciuos</a:t>
+            </a:r>
+            <a:r>
+              <a:rPr lang="it-IT" sz="4000" spc="-1" dirty="0">
+                <a:latin typeface="Arial"/>
+                <a:cs typeface="Arial"/>
+              </a:rPr>
+              <a:t> </a:t>
+            </a:r>
+            <a:r>
+              <a:rPr lang="it-IT" sz="4000" spc="-1" dirty="0" err="1">
+                <a:latin typeface="Arial"/>
+                <a:cs typeface="Arial"/>
+              </a:rPr>
+              <a:t>behaveours</a:t>
+            </a:r>
+            <a:endParaRPr lang="en-US" dirty="0"/>
+          </a:p>
+        </p:txBody>
+      </p:sp>
+      <p:sp>
+        <p:nvSpPr>
+          <p:cNvPr id="5" name="TextBox 4">
+            <a:extLst>
+              <a:ext uri="{FF2B5EF4-FFF2-40B4-BE49-F238E27FC236}">
+                <a16:creationId xmlns:a16="http://schemas.microsoft.com/office/drawing/2014/main" id="{CEFA8545-DC41-4D04-8258-27405AFE8FD2}"/>
+              </a:ext>
+            </a:extLst>
+          </p:cNvPr>
+          <p:cNvSpPr txBox="1"/>
+          <p:nvPr/>
+        </p:nvSpPr>
+        <p:spPr>
+          <a:xfrm>
+            <a:off x="1035616" y="1203274"/>
+            <a:ext cx="8429527" cy="2862322"/>
+          </a:xfrm>
+          <a:prstGeom prst="rect">
+            <a:avLst/>
+          </a:prstGeom>
+          <a:noFill/>
+        </p:spPr>
+        <p:txBody>
+          <a:bodyPr rot="0" spcFirstLastPara="0" vertOverflow="overflow" horzOverflow="overflow" vert="horz" wrap="square" lIns="91440" tIns="45720" rIns="91440" bIns="45720" numCol="1" spcCol="0" rtlCol="0" fromWordArt="0" anchor="t" anchorCtr="0" forceAA="0" compatLnSpc="1">
+            <a:prstTxWarp prst="textNoShape">
+              <a:avLst/>
+            </a:prstTxWarp>
+            <a:spAutoFit/>
+          </a:bodyPr>
+          <a:lstStyle/>
+          <a:p>
+            <a:pPr marL="285750" indent="-285750">
+              <a:buFont typeface="Arial" panose="020B0604020202020204" pitchFamily="34" charset="0"/>
+              <a:buChar char="•"/>
+            </a:pPr>
+            <a:r>
+              <a:rPr lang="en-US" dirty="0">
+                <a:latin typeface="Arial"/>
+                <a:ea typeface="+mn-lt"/>
+                <a:cs typeface="Arial"/>
+              </a:rPr>
+              <a:t>At execution time, it's almost impossible to detect the </a:t>
+            </a:r>
+            <a:r>
+              <a:rPr lang="en-US" b="1" dirty="0">
+                <a:latin typeface="Arial"/>
+                <a:ea typeface="+mn-lt"/>
+                <a:cs typeface="Arial"/>
+              </a:rPr>
+              <a:t>attack pattern</a:t>
+            </a:r>
+            <a:endParaRPr lang="en-US" b="1">
+              <a:latin typeface="Arial"/>
+              <a:ea typeface="+mn-lt"/>
+              <a:cs typeface="+mn-lt"/>
+            </a:endParaRPr>
+          </a:p>
+          <a:p>
+            <a:pPr marL="285750" indent="-285750">
+              <a:buFont typeface="Arial" panose="020B0604020202020204" pitchFamily="34" charset="0"/>
+              <a:buChar char="•"/>
+            </a:pPr>
+            <a:endParaRPr lang="en-US" dirty="0">
+              <a:latin typeface="Arial"/>
+              <a:ea typeface="+mn-lt"/>
+              <a:cs typeface="+mn-lt"/>
+            </a:endParaRPr>
+          </a:p>
+          <a:p>
+            <a:pPr marL="285750" indent="-285750">
+              <a:buFont typeface="Arial" panose="020B0604020202020204" pitchFamily="34" charset="0"/>
+              <a:buChar char="•"/>
+            </a:pPr>
+            <a:r>
+              <a:rPr lang="en-US" dirty="0">
+                <a:latin typeface="Arial"/>
+                <a:ea typeface="+mn-lt"/>
+                <a:cs typeface="+mn-lt"/>
+              </a:rPr>
+              <a:t>Malware that exploit hardware vulnerabilities are </a:t>
+            </a:r>
+            <a:r>
+              <a:rPr lang="en-US" b="1" dirty="0">
+                <a:latin typeface="Arial"/>
+                <a:ea typeface="+mn-lt"/>
+                <a:cs typeface="+mn-lt"/>
+              </a:rPr>
+              <a:t>very hard to distinguish from benign software</a:t>
+            </a:r>
+            <a:endParaRPr lang="en-US"/>
+          </a:p>
+          <a:p>
+            <a:pPr marL="285750" indent="-285750">
+              <a:buFont typeface="Arial" panose="020B0604020202020204" pitchFamily="34" charset="0"/>
+              <a:buChar char="•"/>
+            </a:pPr>
+            <a:endParaRPr lang="en-US" b="1" dirty="0">
+              <a:latin typeface="Arial"/>
+              <a:ea typeface="+mn-lt"/>
+              <a:cs typeface="+mn-lt"/>
+            </a:endParaRPr>
+          </a:p>
+          <a:p>
+            <a:pPr marL="285750" indent="-285750">
+              <a:buFont typeface="Arial" panose="020B0604020202020204" pitchFamily="34" charset="0"/>
+              <a:buChar char="•"/>
+            </a:pPr>
+            <a:r>
+              <a:rPr lang="en-US" dirty="0">
+                <a:latin typeface="Abadi Extra Light"/>
+                <a:ea typeface="+mn-lt"/>
+                <a:cs typeface="+mn-lt"/>
+              </a:rPr>
+              <a:t>"The exploitation [of RIDL] might </a:t>
+            </a:r>
+            <a:r>
+              <a:rPr lang="en-US" b="1" dirty="0">
+                <a:latin typeface="Abadi Extra Light"/>
+                <a:ea typeface="+mn-lt"/>
+                <a:cs typeface="+mn-lt"/>
+              </a:rPr>
+              <a:t>not leave any traces</a:t>
+            </a:r>
+            <a:r>
+              <a:rPr lang="en-US" dirty="0">
+                <a:latin typeface="Abadi Extra Light"/>
+                <a:ea typeface="+mn-lt"/>
+                <a:cs typeface="+mn-lt"/>
+              </a:rPr>
+              <a:t> in traditional log files."</a:t>
+            </a:r>
+            <a:r>
+              <a:rPr lang="en-US" dirty="0">
+                <a:ea typeface="+mn-lt"/>
+                <a:cs typeface="+mn-lt"/>
+              </a:rPr>
+              <a:t> </a:t>
+            </a:r>
+            <a:r>
+              <a:rPr lang="en-US" dirty="0">
+                <a:latin typeface="Abadi Extra Light"/>
+                <a:ea typeface="+mn-lt"/>
+                <a:cs typeface="+mn-lt"/>
+              </a:rPr>
+              <a:t>(</a:t>
+            </a:r>
+            <a:r>
+              <a:rPr lang="en-US" dirty="0">
+                <a:latin typeface="Abadi Extra Light"/>
+                <a:ea typeface="+mn-lt"/>
+                <a:cs typeface="+mn-lt"/>
+                <a:hlinkClick r:id="rId2">
+                  <a:extLst>
+                    <a:ext uri="{A12FA001-AC4F-418D-AE19-62706E023703}">
+                      <ahyp:hlinkClr xmlns:ahyp="http://schemas.microsoft.com/office/drawing/2018/hyperlinkcolor" val="tx"/>
+                    </a:ext>
+                  </a:extLst>
+                </a:hlinkClick>
+              </a:rPr>
+              <a:t>https://cpu.fail/</a:t>
+            </a:r>
+            <a:r>
+              <a:rPr lang="en-US" dirty="0">
+                <a:latin typeface="Abadi Extra Light"/>
+                <a:ea typeface="+mn-lt"/>
+                <a:cs typeface="+mn-lt"/>
+              </a:rPr>
+              <a:t>)</a:t>
+            </a:r>
+          </a:p>
+          <a:p>
+            <a:pPr marL="285750" indent="-285750">
+              <a:buFont typeface="Arial" panose="020B0604020202020204" pitchFamily="34" charset="0"/>
+              <a:buChar char="•"/>
+            </a:pPr>
+            <a:endParaRPr lang="en-US" dirty="0">
+              <a:latin typeface="Gill Sans MT"/>
+              <a:ea typeface="+mn-lt"/>
+              <a:cs typeface="+mn-lt"/>
+            </a:endParaRPr>
+          </a:p>
+          <a:p>
+            <a:pPr marL="285750" indent="-285750">
+              <a:buFont typeface="Arial" panose="020B0604020202020204" pitchFamily="34" charset="0"/>
+              <a:buChar char="•"/>
+            </a:pPr>
+            <a:r>
+              <a:rPr lang="en-US" dirty="0">
+                <a:latin typeface="Abadi Extra Light"/>
+                <a:ea typeface="+mn-lt"/>
+                <a:cs typeface="+mn-lt"/>
+              </a:rPr>
+              <a:t>"While anti-virus software could </a:t>
+            </a:r>
+            <a:r>
+              <a:rPr lang="en-US" b="1" i="1" dirty="0">
+                <a:latin typeface="Abadi Extra Light"/>
+                <a:ea typeface="+mn-lt"/>
+                <a:cs typeface="+mn-lt"/>
+              </a:rPr>
+              <a:t>theoretically</a:t>
+            </a:r>
+            <a:r>
+              <a:rPr lang="en-US" dirty="0">
+                <a:latin typeface="Abadi Extra Light"/>
+                <a:ea typeface="+mn-lt"/>
+                <a:cs typeface="+mn-lt"/>
+              </a:rPr>
+              <a:t> detect MDS exploits, it is very unlikely to happen in practice." (</a:t>
+            </a:r>
+            <a:r>
+              <a:rPr lang="en-US" dirty="0">
+                <a:latin typeface="Abadi Extra Light"/>
+                <a:ea typeface="+mn-lt"/>
+                <a:cs typeface="+mn-lt"/>
+                <a:hlinkClick r:id="rId3">
+                  <a:extLst>
+                    <a:ext uri="{A12FA001-AC4F-418D-AE19-62706E023703}">
+                      <ahyp:hlinkClr xmlns:ahyp="http://schemas.microsoft.com/office/drawing/2018/hyperlinkcolor" val="tx"/>
+                    </a:ext>
+                  </a:extLst>
+                </a:hlinkClick>
+              </a:rPr>
+              <a:t>https://mdsattacks.com/</a:t>
+            </a:r>
+            <a:r>
+              <a:rPr lang="en-US" dirty="0">
+                <a:latin typeface="Abadi Extra Light"/>
+                <a:ea typeface="+mn-lt"/>
+                <a:cs typeface="+mn-lt"/>
+              </a:rPr>
+              <a:t>)</a:t>
+            </a:r>
+          </a:p>
+        </p:txBody>
+      </p:sp>
+    </p:spTree>
+    <p:extLst>
+      <p:ext uri="{BB962C8B-B14F-4D97-AF65-F5344CB8AC3E}">
+        <p14:creationId xmlns:p14="http://schemas.microsoft.com/office/powerpoint/2010/main" val="3807912034"/>
+      </p:ext>
+    </p:extLst>
+  </p:cSld>
+  <p:clrMapOvr>
+    <a:masterClrMapping/>
+  </p:clrMapOvr>
+  <p:timing>
+    <p:tnLst>
+      <p:par>
+        <p:cTn id="1" dur="indefinite" restart="never" nodeType="tmRoot">
+          <p:childTnLst>
+            <p:seq concurrent="1" nextAc="seek">
+              <p:cTn id="2" dur="indefinite" nodeType="mainSeq">
+                <p:childTnLst>
+                  <p:par>
+                    <p:cTn id="3" fill="hold">
+                      <p:stCondLst>
+                        <p:cond delay="indefinite"/>
+                      </p:stCondLst>
+                      <p:childTnLst>
+                        <p:par>
+                          <p:cTn id="4" fill="hold">
+                            <p:stCondLst>
+                              <p:cond delay="0"/>
+                            </p:stCondLst>
+                            <p:childTnLst>
+                              <p:par>
+                                <p:cTn id="5" presetID="2" presetClass="entr" presetSubtype="1" fill="hold" nodeType="clickEffect">
+                                  <p:stCondLst>
+                                    <p:cond delay="0"/>
+                                  </p:stCondLst>
+                                  <p:childTnLst>
+                                    <p:set>
+                                      <p:cBhvr>
+                                        <p:cTn id="6" dur="1" fill="hold">
+                                          <p:stCondLst>
+                                            <p:cond delay="0"/>
+                                          </p:stCondLst>
+                                        </p:cTn>
+                                        <p:tgtEl>
+                                          <p:spTgt spid="3">
+                                            <p:txEl>
+                                              <p:pRg st="0" end="0"/>
+                                            </p:txEl>
+                                          </p:spTgt>
+                                        </p:tgtEl>
+                                        <p:attrNameLst>
+                                          <p:attrName>style.visibility</p:attrName>
+                                        </p:attrNameLst>
+                                      </p:cBhvr>
+                                      <p:to>
+                                        <p:strVal val="visible"/>
+                                      </p:to>
+                                    </p:set>
+                                    <p:anim calcmode="lin" valueType="num">
+                                      <p:cBhvr additive="base">
+                                        <p:cTn id="7" dur="500" fill="hold"/>
+                                        <p:tgtEl>
+                                          <p:spTgt spid="3">
+                                            <p:txEl>
+                                              <p:pRg st="0" end="0"/>
+                                            </p:txEl>
+                                          </p:spTgt>
+                                        </p:tgtEl>
+                                        <p:attrNameLst>
+                                          <p:attrName>ppt_x</p:attrName>
+                                        </p:attrNameLst>
+                                      </p:cBhvr>
+                                      <p:tavLst>
+                                        <p:tav tm="0">
+                                          <p:val>
+                                            <p:strVal val="#ppt_x"/>
+                                          </p:val>
+                                        </p:tav>
+                                        <p:tav tm="100000">
+                                          <p:val>
+                                            <p:strVal val="#ppt_x"/>
+                                          </p:val>
+                                        </p:tav>
+                                      </p:tavLst>
+                                    </p:anim>
+                                    <p:anim calcmode="lin" valueType="num">
+                                      <p:cBhvr additive="base">
+                                        <p:cTn id="8" dur="500" fill="hold"/>
+                                        <p:tgtEl>
+                                          <p:spTgt spid="3">
+                                            <p:txEl>
+                                              <p:pRg st="0" end="0"/>
+                                            </p:txEl>
+                                          </p:spTgt>
+                                        </p:tgtEl>
+                                        <p:attrNameLst>
+                                          <p:attrName>ppt_y</p:attrName>
+                                        </p:attrNameLst>
+                                      </p:cBhvr>
+                                      <p:tavLst>
+                                        <p:tav tm="0">
+                                          <p:val>
+                                            <p:strVal val="0-#ppt_h/2"/>
+                                          </p:val>
+                                        </p:tav>
+                                        <p:tav tm="100000">
+                                          <p:val>
+                                            <p:strVal val="#ppt_y"/>
+                                          </p:val>
+                                        </p:tav>
+                                      </p:tavLst>
+                                    </p:anim>
+                                  </p:childTnLst>
+                                </p:cTn>
+                              </p:par>
+                            </p:childTnLst>
+                          </p:cTn>
+                        </p:par>
+                      </p:childTnLst>
+                    </p:cTn>
+                  </p:par>
+                </p:childTnLst>
+              </p:cTn>
+              <p:prevCondLst>
+                <p:cond evt="onPrev" delay="0">
+                  <p:tgtEl>
+                    <p:sldTgt/>
+                  </p:tgtEl>
+                </p:cond>
+              </p:prevCondLst>
+              <p:nextCondLst>
+                <p:cond evt="onNext" delay="0">
+                  <p:tgtEl>
+                    <p:sldTgt/>
+                  </p:tgtEl>
+                </p:cond>
+              </p:nextCondLst>
+            </p:seq>
+          </p:childTnLst>
+        </p:cTn>
+      </p:par>
+    </p:tnLst>
+  </p:timing>
+</p:sld>
+</file>
+
+<file path=ppt/slides/slide4.xml><?xml version="1.0" encoding="utf-8"?>
+<p:sld xmlns:a="http://schemas.openxmlformats.org/drawingml/2006/main" xmlns:r="http://schemas.openxmlformats.org/officeDocument/2006/relationships" xmlns:p="http://schemas.openxmlformats.org/presentationml/2006/main">
+  <p:cSld>
+    <p:spTree>
+      <p:nvGrpSpPr>
+        <p:cNvPr id="1" name=""/>
+        <p:cNvGrpSpPr/>
+        <p:nvPr/>
+      </p:nvGrpSpPr>
+      <p:grpSpPr>
+        <a:xfrm>
+          <a:off x="0" y="0"/>
+          <a:ext cx="0" cy="0"/>
+          <a:chOff x="0" y="0"/>
+          <a:chExt cx="0" cy="0"/>
+        </a:xfrm>
+      </p:grpSpPr>
+      <p:pic>
+        <p:nvPicPr>
+          <p:cNvPr id="3" name="Picture 3" descr="Text&#10;&#10;Description automatically generated">
+            <a:extLst>
+              <a:ext uri="{FF2B5EF4-FFF2-40B4-BE49-F238E27FC236}">
+                <a16:creationId xmlns:a16="http://schemas.microsoft.com/office/drawing/2014/main" id="{3D402A68-44F2-4233-B51F-BC74BD1D21DC}"/>
+              </a:ext>
+            </a:extLst>
+          </p:cNvPr>
+          <p:cNvPicPr>
+            <a:picLocks noChangeAspect="1"/>
+          </p:cNvPicPr>
+          <p:nvPr/>
+        </p:nvPicPr>
+        <p:blipFill>
+          <a:blip r:embed="rId2"/>
+          <a:stretch>
+            <a:fillRect/>
+          </a:stretch>
+        </p:blipFill>
+        <p:spPr>
+          <a:xfrm>
+            <a:off x="569244" y="406104"/>
+            <a:ext cx="4861426" cy="4621515"/>
+          </a:xfrm>
+          <a:prstGeom prst="rect">
+            <a:avLst/>
+          </a:prstGeom>
+        </p:spPr>
+      </p:pic>
+      <p:cxnSp>
+        <p:nvCxnSpPr>
+          <p:cNvPr id="4" name="Straight Arrow Connector 3">
+            <a:extLst>
+              <a:ext uri="{FF2B5EF4-FFF2-40B4-BE49-F238E27FC236}">
+                <a16:creationId xmlns:a16="http://schemas.microsoft.com/office/drawing/2014/main" id="{28677D4E-414E-402B-B20D-813A7DCB3791}"/>
+              </a:ext>
+            </a:extLst>
+          </p:cNvPr>
+          <p:cNvCxnSpPr/>
+          <p:nvPr/>
+        </p:nvCxnSpPr>
+        <p:spPr>
+          <a:xfrm flipH="1">
+            <a:off x="3984381" y="575379"/>
+            <a:ext cx="1863127" cy="251339"/>
+          </a:xfrm>
+          <a:prstGeom prst="straightConnector1">
+            <a:avLst/>
+          </a:prstGeom>
+          <a:ln w="28575">
+            <a:solidFill>
+              <a:srgbClr val="00B050"/>
+            </a:solidFill>
+            <a:tailEnd type="triangle"/>
+          </a:ln>
+        </p:spPr>
+        <p:style>
+          <a:lnRef idx="1">
+            <a:schemeClr val="accent1"/>
+          </a:lnRef>
+          <a:fillRef idx="0">
+            <a:schemeClr val="accent1"/>
+          </a:fillRef>
+          <a:effectRef idx="0">
+            <a:schemeClr val="accent1"/>
+          </a:effectRef>
+          <a:fontRef idx="minor">
+            <a:schemeClr val="tx1"/>
+          </a:fontRef>
+        </p:style>
+      </p:cxnSp>
+      <p:cxnSp>
+        <p:nvCxnSpPr>
+          <p:cNvPr id="5" name="Straight Arrow Connector 4">
+            <a:extLst>
+              <a:ext uri="{FF2B5EF4-FFF2-40B4-BE49-F238E27FC236}">
+                <a16:creationId xmlns:a16="http://schemas.microsoft.com/office/drawing/2014/main" id="{311C94D0-7969-4224-BFCD-EDA4D42E17E5}"/>
+              </a:ext>
+            </a:extLst>
+          </p:cNvPr>
+          <p:cNvCxnSpPr>
+            <a:cxnSpLocks/>
+          </p:cNvCxnSpPr>
+          <p:nvPr/>
+        </p:nvCxnSpPr>
+        <p:spPr>
+          <a:xfrm flipH="1" flipV="1">
+            <a:off x="4128060" y="4168052"/>
+            <a:ext cx="2022040" cy="446255"/>
+          </a:xfrm>
+          <a:prstGeom prst="straightConnector1">
+            <a:avLst/>
+          </a:prstGeom>
+          <a:ln w="28575">
+            <a:solidFill>
+              <a:srgbClr val="00B050"/>
+            </a:solidFill>
+            <a:tailEnd type="triangle"/>
+          </a:ln>
+        </p:spPr>
+        <p:style>
+          <a:lnRef idx="1">
+            <a:schemeClr val="accent1"/>
+          </a:lnRef>
+          <a:fillRef idx="0">
+            <a:schemeClr val="accent1"/>
+          </a:fillRef>
+          <a:effectRef idx="0">
+            <a:schemeClr val="accent1"/>
+          </a:effectRef>
+          <a:fontRef idx="minor">
+            <a:schemeClr val="tx1"/>
+          </a:fontRef>
+        </p:style>
+      </p:cxnSp>
+      <p:sp>
+        <p:nvSpPr>
+          <p:cNvPr id="6" name="TextBox 5">
+            <a:extLst>
+              <a:ext uri="{FF2B5EF4-FFF2-40B4-BE49-F238E27FC236}">
+                <a16:creationId xmlns:a16="http://schemas.microsoft.com/office/drawing/2014/main" id="{7D3AFEF9-877E-4912-9CF7-25D32567B93C}"/>
+              </a:ext>
+            </a:extLst>
+          </p:cNvPr>
+          <p:cNvSpPr txBox="1"/>
+          <p:nvPr/>
+        </p:nvSpPr>
+        <p:spPr>
+          <a:xfrm>
+            <a:off x="5800342" y="409428"/>
+            <a:ext cx="2743199" cy="369332"/>
+          </a:xfrm>
+          <a:prstGeom prst="rect">
+            <a:avLst/>
+          </a:prstGeom>
+          <a:noFill/>
+        </p:spPr>
+        <p:txBody>
+          <a:bodyPr rot="0" spcFirstLastPara="0" vertOverflow="overflow" horzOverflow="overflow" vert="horz" wrap="square" lIns="91440" tIns="45720" rIns="91440" bIns="45720" numCol="1" spcCol="0" rtlCol="0" fromWordArt="0" anchor="t" anchorCtr="0" forceAA="0" compatLnSpc="1">
+            <a:prstTxWarp prst="textNoShape">
+              <a:avLst/>
+            </a:prstTxWarp>
+            <a:spAutoFit/>
+          </a:bodyPr>
+          <a:lstStyle/>
+          <a:p>
+            <a:r>
+              <a:rPr lang="en-US" dirty="0">
+                <a:solidFill>
+                  <a:srgbClr val="00B050"/>
+                </a:solidFill>
+              </a:rPr>
+              <a:t>Totally normal code</a:t>
+            </a:r>
+          </a:p>
+        </p:txBody>
+      </p:sp>
+      <p:sp>
+        <p:nvSpPr>
+          <p:cNvPr id="8" name="TextBox 7">
+            <a:extLst>
+              <a:ext uri="{FF2B5EF4-FFF2-40B4-BE49-F238E27FC236}">
+                <a16:creationId xmlns:a16="http://schemas.microsoft.com/office/drawing/2014/main" id="{5C858CD4-A5DE-49ED-B651-85BE95EFDEF6}"/>
+              </a:ext>
+            </a:extLst>
+          </p:cNvPr>
+          <p:cNvSpPr txBox="1"/>
+          <p:nvPr/>
+        </p:nvSpPr>
+        <p:spPr>
+          <a:xfrm>
+            <a:off x="6157278" y="4447692"/>
+            <a:ext cx="2743199" cy="369332"/>
+          </a:xfrm>
+          <a:prstGeom prst="rect">
+            <a:avLst/>
+          </a:prstGeom>
+          <a:noFill/>
+        </p:spPr>
+        <p:txBody>
+          <a:bodyPr rot="0" spcFirstLastPara="0" vertOverflow="overflow" horzOverflow="overflow" vert="horz" wrap="square" lIns="91440" tIns="45720" rIns="91440" bIns="45720" numCol="1" spcCol="0" rtlCol="0" fromWordArt="0" anchor="t" anchorCtr="0" forceAA="0" compatLnSpc="1">
+            <a:prstTxWarp prst="textNoShape">
+              <a:avLst/>
+            </a:prstTxWarp>
+            <a:spAutoFit/>
+          </a:bodyPr>
+          <a:lstStyle/>
+          <a:p>
+            <a:r>
+              <a:rPr lang="en-US" dirty="0">
+                <a:solidFill>
+                  <a:srgbClr val="00B050"/>
+                </a:solidFill>
+              </a:rPr>
+              <a:t>Totally normal code</a:t>
+            </a:r>
+          </a:p>
+        </p:txBody>
+      </p:sp>
+      <p:sp>
+        <p:nvSpPr>
+          <p:cNvPr id="9" name="Right Brace 8">
+            <a:extLst>
+              <a:ext uri="{FF2B5EF4-FFF2-40B4-BE49-F238E27FC236}">
+                <a16:creationId xmlns:a16="http://schemas.microsoft.com/office/drawing/2014/main" id="{DF849CFC-C166-4700-91B2-07F7C341AB41}"/>
+              </a:ext>
+            </a:extLst>
+          </p:cNvPr>
+          <p:cNvSpPr/>
+          <p:nvPr/>
+        </p:nvSpPr>
+        <p:spPr>
+          <a:xfrm>
+            <a:off x="3736005" y="620574"/>
+            <a:ext cx="241680" cy="489879"/>
+          </a:xfrm>
+          <a:prstGeom prst="rightBrace">
+            <a:avLst/>
+          </a:prstGeom>
+          <a:ln w="28575">
+            <a:solidFill>
+              <a:srgbClr val="00B050"/>
+            </a:solidFill>
+          </a:ln>
+        </p:spPr>
+        <p:style>
+          <a:lnRef idx="1">
+            <a:schemeClr val="accent1"/>
+          </a:lnRef>
+          <a:fillRef idx="0">
+            <a:schemeClr val="accent1"/>
+          </a:fillRef>
+          <a:effectRef idx="0">
+            <a:schemeClr val="accent1"/>
+          </a:effectRef>
+          <a:fontRef idx="minor">
+            <a:schemeClr val="tx1"/>
+          </a:fontRef>
+        </p:style>
+        <p:txBody>
+          <a:bodyPr rtlCol="0" anchor="ctr"/>
+          <a:lstStyle/>
+          <a:p>
+            <a:pPr algn="ctr"/>
+            <a:endParaRPr lang="en-US"/>
+          </a:p>
+        </p:txBody>
+      </p:sp>
+      <p:sp>
+        <p:nvSpPr>
+          <p:cNvPr id="10" name="Right Brace 9">
+            <a:extLst>
+              <a:ext uri="{FF2B5EF4-FFF2-40B4-BE49-F238E27FC236}">
+                <a16:creationId xmlns:a16="http://schemas.microsoft.com/office/drawing/2014/main" id="{163925A5-6C1D-4EB6-8448-3B07392F7A65}"/>
+              </a:ext>
+            </a:extLst>
+          </p:cNvPr>
+          <p:cNvSpPr/>
+          <p:nvPr/>
+        </p:nvSpPr>
+        <p:spPr>
+          <a:xfrm>
+            <a:off x="3810613" y="3292040"/>
+            <a:ext cx="276226" cy="1677862"/>
+          </a:xfrm>
+          <a:prstGeom prst="rightBrace">
+            <a:avLst/>
+          </a:prstGeom>
+          <a:ln w="28575">
+            <a:solidFill>
+              <a:srgbClr val="00B050"/>
+            </a:solidFill>
+          </a:ln>
+        </p:spPr>
+        <p:style>
+          <a:lnRef idx="1">
+            <a:schemeClr val="accent1"/>
+          </a:lnRef>
+          <a:fillRef idx="0">
+            <a:schemeClr val="accent1"/>
+          </a:fillRef>
+          <a:effectRef idx="0">
+            <a:schemeClr val="accent1"/>
+          </a:effectRef>
+          <a:fontRef idx="minor">
+            <a:schemeClr val="tx1"/>
+          </a:fontRef>
+        </p:style>
+        <p:txBody>
+          <a:bodyPr rtlCol="0" anchor="ctr"/>
+          <a:lstStyle/>
+          <a:p>
+            <a:pPr algn="ctr"/>
+            <a:endParaRPr lang="en-US"/>
+          </a:p>
+        </p:txBody>
+      </p:sp>
+      <p:cxnSp>
+        <p:nvCxnSpPr>
+          <p:cNvPr id="11" name="Straight Arrow Connector 10">
+            <a:extLst>
+              <a:ext uri="{FF2B5EF4-FFF2-40B4-BE49-F238E27FC236}">
+                <a16:creationId xmlns:a16="http://schemas.microsoft.com/office/drawing/2014/main" id="{FC7295D2-7AA6-45B8-8216-C25DFF81CBD4}"/>
+              </a:ext>
+            </a:extLst>
+          </p:cNvPr>
+          <p:cNvCxnSpPr>
+            <a:cxnSpLocks/>
+          </p:cNvCxnSpPr>
+          <p:nvPr/>
+        </p:nvCxnSpPr>
+        <p:spPr>
+          <a:xfrm flipH="1">
+            <a:off x="3582444" y="1196530"/>
+            <a:ext cx="2360594" cy="424011"/>
+          </a:xfrm>
+          <a:prstGeom prst="straightConnector1">
+            <a:avLst/>
+          </a:prstGeom>
+          <a:ln w="28575">
+            <a:solidFill>
+              <a:srgbClr val="F08400"/>
+            </a:solidFill>
+            <a:tailEnd type="triangle"/>
+          </a:ln>
+        </p:spPr>
+        <p:style>
+          <a:lnRef idx="1">
+            <a:schemeClr val="accent1"/>
+          </a:lnRef>
+          <a:fillRef idx="0">
+            <a:schemeClr val="accent1"/>
+          </a:fillRef>
+          <a:effectRef idx="0">
+            <a:schemeClr val="accent1"/>
+          </a:effectRef>
+          <a:fontRef idx="minor">
+            <a:schemeClr val="tx1"/>
+          </a:fontRef>
+        </p:style>
+      </p:cxnSp>
+      <p:sp>
+        <p:nvSpPr>
+          <p:cNvPr id="12" name="TextBox 11">
+            <a:extLst>
+              <a:ext uri="{FF2B5EF4-FFF2-40B4-BE49-F238E27FC236}">
+                <a16:creationId xmlns:a16="http://schemas.microsoft.com/office/drawing/2014/main" id="{A9CB7CE3-EFDB-44BA-9BB4-C84C7F7BB17E}"/>
+              </a:ext>
+            </a:extLst>
+          </p:cNvPr>
+          <p:cNvSpPr txBox="1"/>
+          <p:nvPr/>
+        </p:nvSpPr>
+        <p:spPr>
+          <a:xfrm>
+            <a:off x="5881152" y="975475"/>
+            <a:ext cx="2743199" cy="369332"/>
+          </a:xfrm>
+          <a:prstGeom prst="rect">
+            <a:avLst/>
+          </a:prstGeom>
+          <a:noFill/>
+        </p:spPr>
+        <p:txBody>
+          <a:bodyPr rot="0" spcFirstLastPara="0" vertOverflow="overflow" horzOverflow="overflow" vert="horz" wrap="square" lIns="91440" tIns="45720" rIns="91440" bIns="45720" numCol="1" spcCol="0" rtlCol="0" fromWordArt="0" anchor="t" anchorCtr="0" forceAA="0" compatLnSpc="1">
+            <a:prstTxWarp prst="textNoShape">
+              <a:avLst/>
+            </a:prstTxWarp>
+            <a:spAutoFit/>
+          </a:bodyPr>
+          <a:lstStyle/>
+          <a:p>
+            <a:r>
+              <a:rPr lang="en-US" dirty="0">
+                <a:solidFill>
+                  <a:srgbClr val="F08400"/>
+                </a:solidFill>
+              </a:rPr>
+              <a:t>Only a page fault</a:t>
+            </a:r>
+          </a:p>
+        </p:txBody>
+      </p:sp>
+      <p:sp>
+        <p:nvSpPr>
+          <p:cNvPr id="13" name="Right Brace 12">
+            <a:extLst>
+              <a:ext uri="{FF2B5EF4-FFF2-40B4-BE49-F238E27FC236}">
+                <a16:creationId xmlns:a16="http://schemas.microsoft.com/office/drawing/2014/main" id="{843976F9-5FE7-4C43-B795-76F6B288FA72}"/>
+              </a:ext>
+            </a:extLst>
+          </p:cNvPr>
+          <p:cNvSpPr/>
+          <p:nvPr/>
+        </p:nvSpPr>
+        <p:spPr>
+          <a:xfrm>
+            <a:off x="5302189" y="1849310"/>
+            <a:ext cx="262407" cy="752340"/>
+          </a:xfrm>
+          <a:prstGeom prst="rightBrace">
+            <a:avLst/>
+          </a:prstGeom>
+          <a:noFill/>
+          <a:ln w="28575">
+            <a:solidFill>
+              <a:srgbClr val="00B050"/>
+            </a:solidFill>
+          </a:ln>
+        </p:spPr>
+        <p:style>
+          <a:lnRef idx="1">
+            <a:schemeClr val="accent1"/>
+          </a:lnRef>
+          <a:fillRef idx="0">
+            <a:schemeClr val="accent1"/>
+          </a:fillRef>
+          <a:effectRef idx="0">
+            <a:schemeClr val="accent1"/>
+          </a:effectRef>
+          <a:fontRef idx="minor">
+            <a:schemeClr val="tx1"/>
+          </a:fontRef>
+        </p:style>
+        <p:txBody>
+          <a:bodyPr lIns="91440" tIns="45720" rIns="91440" bIns="45720" rtlCol="0" anchor="ctr"/>
+          <a:lstStyle/>
+          <a:p>
+            <a:pPr algn="ctr"/>
+            <a:endParaRPr lang="en-US" dirty="0">
+              <a:solidFill>
+                <a:srgbClr val="F08400"/>
+              </a:solidFill>
+            </a:endParaRPr>
+          </a:p>
+        </p:txBody>
+      </p:sp>
+      <p:cxnSp>
+        <p:nvCxnSpPr>
+          <p:cNvPr id="14" name="Straight Arrow Connector 13">
+            <a:extLst>
+              <a:ext uri="{FF2B5EF4-FFF2-40B4-BE49-F238E27FC236}">
+                <a16:creationId xmlns:a16="http://schemas.microsoft.com/office/drawing/2014/main" id="{9CFE05F1-310A-4BDE-AA18-D59678B23646}"/>
+              </a:ext>
+            </a:extLst>
+          </p:cNvPr>
+          <p:cNvCxnSpPr>
+            <a:cxnSpLocks/>
+          </p:cNvCxnSpPr>
+          <p:nvPr/>
+        </p:nvCxnSpPr>
+        <p:spPr>
+          <a:xfrm flipH="1">
+            <a:off x="5605467" y="2204791"/>
+            <a:ext cx="343087" cy="2691"/>
+          </a:xfrm>
+          <a:prstGeom prst="straightConnector1">
+            <a:avLst/>
+          </a:prstGeom>
+          <a:ln w="28575">
+            <a:solidFill>
+              <a:srgbClr val="00B050"/>
+            </a:solidFill>
+            <a:tailEnd type="triangle"/>
+          </a:ln>
+        </p:spPr>
+        <p:style>
+          <a:lnRef idx="1">
+            <a:schemeClr val="accent1"/>
+          </a:lnRef>
+          <a:fillRef idx="0">
+            <a:schemeClr val="accent1"/>
+          </a:fillRef>
+          <a:effectRef idx="0">
+            <a:schemeClr val="accent1"/>
+          </a:effectRef>
+          <a:fontRef idx="minor">
+            <a:schemeClr val="tx1"/>
+          </a:fontRef>
+        </p:style>
+      </p:cxnSp>
+      <p:sp>
+        <p:nvSpPr>
+          <p:cNvPr id="16" name="TextBox 15">
+            <a:extLst>
+              <a:ext uri="{FF2B5EF4-FFF2-40B4-BE49-F238E27FC236}">
+                <a16:creationId xmlns:a16="http://schemas.microsoft.com/office/drawing/2014/main" id="{0A5A581F-DDB3-4F57-8FFF-20F8F262E252}"/>
+              </a:ext>
+            </a:extLst>
+          </p:cNvPr>
+          <p:cNvSpPr txBox="1"/>
+          <p:nvPr/>
+        </p:nvSpPr>
+        <p:spPr>
+          <a:xfrm>
+            <a:off x="5879069" y="1658874"/>
+            <a:ext cx="3648313" cy="1200329"/>
+          </a:xfrm>
+          <a:prstGeom prst="rect">
+            <a:avLst/>
+          </a:prstGeom>
+          <a:noFill/>
+        </p:spPr>
+        <p:txBody>
+          <a:bodyPr rot="0" spcFirstLastPara="0" vertOverflow="overflow" horzOverflow="overflow" vert="horz" wrap="square" lIns="91440" tIns="45720" rIns="91440" bIns="45720" numCol="1" spcCol="0" rtlCol="0" fromWordArt="0" anchor="t" anchorCtr="0" forceAA="0" compatLnSpc="1">
+            <a:prstTxWarp prst="textNoShape">
+              <a:avLst/>
+            </a:prstTxWarp>
+            <a:spAutoFit/>
+          </a:bodyPr>
+          <a:lstStyle/>
+          <a:p>
+            <a:r>
+              <a:rPr lang="en-US" dirty="0">
+                <a:solidFill>
+                  <a:srgbClr val="00B050"/>
+                </a:solidFill>
+              </a:rPr>
+              <a:t>The attack consist in loading a (LEGAL!) memory location referred by an offset, from a base address:</a:t>
+            </a:r>
+          </a:p>
+          <a:p>
+            <a:r>
+              <a:rPr lang="en-US" b="1" dirty="0">
+                <a:solidFill>
+                  <a:srgbClr val="00B050"/>
+                </a:solidFill>
+              </a:rPr>
+              <a:t>It's an array lookup!</a:t>
+            </a:r>
+          </a:p>
+        </p:txBody>
+      </p:sp>
+      <p:sp>
+        <p:nvSpPr>
+          <p:cNvPr id="17" name="Oval 16">
+            <a:extLst>
+              <a:ext uri="{FF2B5EF4-FFF2-40B4-BE49-F238E27FC236}">
+                <a16:creationId xmlns:a16="http://schemas.microsoft.com/office/drawing/2014/main" id="{AF19E594-8EDF-4B22-9267-163F33A661CD}"/>
+              </a:ext>
+            </a:extLst>
+          </p:cNvPr>
+          <p:cNvSpPr/>
+          <p:nvPr/>
+        </p:nvSpPr>
+        <p:spPr>
+          <a:xfrm>
+            <a:off x="1607344" y="3455818"/>
+            <a:ext cx="966471" cy="303393"/>
+          </a:xfrm>
+          <a:prstGeom prst="ellipse">
+            <a:avLst/>
+          </a:prstGeom>
+          <a:noFill/>
+          <a:ln>
+            <a:solidFill>
+              <a:srgbClr val="FF0000"/>
+            </a:solidFill>
+          </a:ln>
+        </p:spPr>
+        <p:style>
+          <a:lnRef idx="2">
+            <a:schemeClr val="accent1">
+              <a:shade val="50000"/>
+            </a:schemeClr>
+          </a:lnRef>
+          <a:fillRef idx="1">
+            <a:schemeClr val="accent1"/>
+          </a:fillRef>
+          <a:effectRef idx="0">
+            <a:schemeClr val="accent1"/>
+          </a:effectRef>
+          <a:fontRef idx="minor">
+            <a:schemeClr val="lt1"/>
+          </a:fontRef>
+        </p:style>
+        <p:txBody>
+          <a:bodyPr rtlCol="0" anchor="ctr"/>
+          <a:lstStyle/>
+          <a:p>
+            <a:pPr algn="ctr"/>
+            <a:endParaRPr lang="en-US"/>
+          </a:p>
+        </p:txBody>
+      </p:sp>
+      <p:sp>
+        <p:nvSpPr>
+          <p:cNvPr id="18" name="Oval 17">
+            <a:extLst>
+              <a:ext uri="{FF2B5EF4-FFF2-40B4-BE49-F238E27FC236}">
+                <a16:creationId xmlns:a16="http://schemas.microsoft.com/office/drawing/2014/main" id="{96B17AD5-5ED1-4E42-8875-9E3E01FFE9B0}"/>
+              </a:ext>
+            </a:extLst>
+          </p:cNvPr>
+          <p:cNvSpPr/>
+          <p:nvPr/>
+        </p:nvSpPr>
+        <p:spPr>
+          <a:xfrm>
+            <a:off x="1606706" y="3911417"/>
+            <a:ext cx="966471" cy="303393"/>
+          </a:xfrm>
+          <a:prstGeom prst="ellipse">
+            <a:avLst/>
+          </a:prstGeom>
+          <a:noFill/>
+          <a:ln>
+            <a:solidFill>
+              <a:srgbClr val="FF0000"/>
+            </a:solidFill>
+          </a:ln>
+        </p:spPr>
+        <p:style>
+          <a:lnRef idx="2">
+            <a:schemeClr val="accent1">
+              <a:shade val="50000"/>
+            </a:schemeClr>
+          </a:lnRef>
+          <a:fillRef idx="1">
+            <a:schemeClr val="accent1"/>
+          </a:fillRef>
+          <a:effectRef idx="0">
+            <a:schemeClr val="accent1"/>
+          </a:effectRef>
+          <a:fontRef idx="minor">
+            <a:schemeClr val="lt1"/>
+          </a:fontRef>
+        </p:style>
+        <p:txBody>
+          <a:bodyPr rtlCol="0" anchor="ctr"/>
+          <a:lstStyle/>
+          <a:p>
+            <a:pPr algn="ctr"/>
+            <a:endParaRPr lang="en-US"/>
+          </a:p>
+        </p:txBody>
+      </p:sp>
+      <p:cxnSp>
+        <p:nvCxnSpPr>
+          <p:cNvPr id="19" name="Straight Arrow Connector 18">
+            <a:extLst>
+              <a:ext uri="{FF2B5EF4-FFF2-40B4-BE49-F238E27FC236}">
+                <a16:creationId xmlns:a16="http://schemas.microsoft.com/office/drawing/2014/main" id="{7339427C-772B-4619-BE8D-DD79971A4E92}"/>
+              </a:ext>
+            </a:extLst>
+          </p:cNvPr>
+          <p:cNvCxnSpPr>
+            <a:cxnSpLocks/>
+          </p:cNvCxnSpPr>
+          <p:nvPr/>
+        </p:nvCxnSpPr>
+        <p:spPr>
+          <a:xfrm flipH="1" flipV="1">
+            <a:off x="2549501" y="3602589"/>
+            <a:ext cx="3272617" cy="73285"/>
+          </a:xfrm>
+          <a:prstGeom prst="straightConnector1">
+            <a:avLst/>
+          </a:prstGeom>
+          <a:ln w="12700">
+            <a:solidFill>
+              <a:srgbClr val="FF0000"/>
+            </a:solidFill>
+            <a:tailEnd type="triangle"/>
+          </a:ln>
+        </p:spPr>
+        <p:style>
+          <a:lnRef idx="1">
+            <a:schemeClr val="accent1"/>
+          </a:lnRef>
+          <a:fillRef idx="0">
+            <a:schemeClr val="accent1"/>
+          </a:fillRef>
+          <a:effectRef idx="0">
+            <a:schemeClr val="accent1"/>
+          </a:effectRef>
+          <a:fontRef idx="minor">
+            <a:schemeClr val="tx1"/>
+          </a:fontRef>
+        </p:style>
+      </p:cxnSp>
+      <p:cxnSp>
+        <p:nvCxnSpPr>
+          <p:cNvPr id="20" name="Straight Arrow Connector 19">
+            <a:extLst>
+              <a:ext uri="{FF2B5EF4-FFF2-40B4-BE49-F238E27FC236}">
+                <a16:creationId xmlns:a16="http://schemas.microsoft.com/office/drawing/2014/main" id="{C50D8B30-4D67-4009-B609-46CD41C5EE72}"/>
+              </a:ext>
+            </a:extLst>
+          </p:cNvPr>
+          <p:cNvCxnSpPr>
+            <a:cxnSpLocks/>
+          </p:cNvCxnSpPr>
+          <p:nvPr/>
+        </p:nvCxnSpPr>
+        <p:spPr>
+          <a:xfrm flipH="1">
+            <a:off x="2527758" y="3744862"/>
+            <a:ext cx="3300253" cy="306593"/>
+          </a:xfrm>
+          <a:prstGeom prst="straightConnector1">
+            <a:avLst/>
+          </a:prstGeom>
+          <a:ln w="12700">
+            <a:solidFill>
+              <a:srgbClr val="FF0000"/>
+            </a:solidFill>
+            <a:tailEnd type="triangle"/>
+          </a:ln>
+        </p:spPr>
+        <p:style>
+          <a:lnRef idx="1">
+            <a:schemeClr val="accent1"/>
+          </a:lnRef>
+          <a:fillRef idx="0">
+            <a:schemeClr val="accent1"/>
+          </a:fillRef>
+          <a:effectRef idx="0">
+            <a:schemeClr val="accent1"/>
+          </a:effectRef>
+          <a:fontRef idx="minor">
+            <a:schemeClr val="tx1"/>
+          </a:fontRef>
+        </p:style>
+      </p:cxnSp>
+      <p:sp>
+        <p:nvSpPr>
+          <p:cNvPr id="22" name="TextBox 21">
+            <a:extLst>
+              <a:ext uri="{FF2B5EF4-FFF2-40B4-BE49-F238E27FC236}">
+                <a16:creationId xmlns:a16="http://schemas.microsoft.com/office/drawing/2014/main" id="{95242A5E-5F8F-44E6-817E-F578FD3B8D03}"/>
+              </a:ext>
+            </a:extLst>
+          </p:cNvPr>
+          <p:cNvSpPr txBox="1"/>
+          <p:nvPr/>
+        </p:nvSpPr>
+        <p:spPr>
+          <a:xfrm>
+            <a:off x="5803109" y="3377724"/>
+            <a:ext cx="2743199" cy="923330"/>
+          </a:xfrm>
+          <a:prstGeom prst="rect">
+            <a:avLst/>
+          </a:prstGeom>
+          <a:noFill/>
+        </p:spPr>
+        <p:txBody>
+          <a:bodyPr rot="0" spcFirstLastPara="0" vertOverflow="overflow" horzOverflow="overflow" vert="horz" wrap="square" lIns="91440" tIns="45720" rIns="91440" bIns="45720" numCol="1" spcCol="0" rtlCol="0" fromWordArt="0" anchor="t" anchorCtr="0" forceAA="0" compatLnSpc="1">
+            <a:prstTxWarp prst="textNoShape">
+              <a:avLst/>
+            </a:prstTxWarp>
+            <a:spAutoFit/>
+          </a:bodyPr>
+          <a:lstStyle/>
+          <a:p>
+            <a:r>
+              <a:rPr lang="en-US" dirty="0">
+                <a:solidFill>
+                  <a:srgbClr val="FF0000"/>
+                </a:solidFill>
+              </a:rPr>
+              <a:t>Actually,  the only </a:t>
+            </a:r>
+            <a:r>
+              <a:rPr lang="en" dirty="0">
+                <a:solidFill>
+                  <a:srgbClr val="FF0000"/>
+                </a:solidFill>
+              </a:rPr>
+              <a:t>suspicious</a:t>
+            </a:r>
+            <a:r>
+              <a:rPr lang="en" dirty="0">
+                <a:solidFill>
+                  <a:srgbClr val="000000"/>
+                </a:solidFill>
+              </a:rPr>
+              <a:t> </a:t>
+            </a:r>
+            <a:r>
+              <a:rPr lang="en-US" dirty="0">
+                <a:solidFill>
+                  <a:srgbClr val="FF0000"/>
+                </a:solidFill>
+              </a:rPr>
+              <a:t>thing, high precision timer usage</a:t>
+            </a:r>
+          </a:p>
+        </p:txBody>
+      </p:sp>
+    </p:spTree>
+    <p:extLst>
+      <p:ext uri="{BB962C8B-B14F-4D97-AF65-F5344CB8AC3E}">
+        <p14:creationId xmlns:p14="http://schemas.microsoft.com/office/powerpoint/2010/main" val="1560386303"/>
+      </p:ext>
+    </p:extLst>
+  </p:cSld>
+  <p:clrMapOvr>
+    <a:masterClrMapping/>
+  </p:clrMapOvr>
 </p:sld>
 </file>
 
